--- a/MyAudioLib.pptx
+++ b/MyAudioLib.pptx
@@ -9,6 +9,12 @@
     <p:sldId id="257" r:id="rId3"/>
     <p:sldId id="258" r:id="rId4"/>
     <p:sldId id="259" r:id="rId5"/>
+    <p:sldId id="261" r:id="rId6"/>
+    <p:sldId id="262" r:id="rId7"/>
+    <p:sldId id="263" r:id="rId8"/>
+    <p:sldId id="264" r:id="rId9"/>
+    <p:sldId id="265" r:id="rId10"/>
+    <p:sldId id="260" r:id="rId11"/>
   </p:sldIdLst>
   <p:sldSz cx="9144000" cy="6858000" type="screen4x3"/>
   <p:notesSz cx="6858000" cy="9144000"/>
@@ -400,7 +406,7 @@
           <a:p>
             <a:fld id="{B4C71EC6-210F-42DE-9C53-41977AD35B3D}" type="datetimeFigureOut">
               <a:rPr lang="ru-RU" smtClean="0"/>
-              <a:t>29.01.2023</a:t>
+              <a:t>09.02.2023</a:t>
             </a:fld>
             <a:endParaRPr lang="ru-RU"/>
           </a:p>
@@ -565,7 +571,7 @@
           <a:p>
             <a:fld id="{B4C71EC6-210F-42DE-9C53-41977AD35B3D}" type="datetimeFigureOut">
               <a:rPr lang="ru-RU" smtClean="0"/>
-              <a:t>29.01.2023</a:t>
+              <a:t>09.02.2023</a:t>
             </a:fld>
             <a:endParaRPr lang="ru-RU"/>
           </a:p>
@@ -740,7 +746,7 @@
           <a:p>
             <a:fld id="{B4C71EC6-210F-42DE-9C53-41977AD35B3D}" type="datetimeFigureOut">
               <a:rPr lang="ru-RU" smtClean="0"/>
-              <a:t>29.01.2023</a:t>
+              <a:t>09.02.2023</a:t>
             </a:fld>
             <a:endParaRPr lang="ru-RU"/>
           </a:p>
@@ -887,7 +893,7 @@
           <a:p>
             <a:fld id="{B4C71EC6-210F-42DE-9C53-41977AD35B3D}" type="datetimeFigureOut">
               <a:rPr lang="ru-RU" smtClean="0"/>
-              <a:t>29.01.2023</a:t>
+              <a:t>09.02.2023</a:t>
             </a:fld>
             <a:endParaRPr lang="ru-RU"/>
           </a:p>
@@ -1004,7 +1010,7 @@
           <a:p>
             <a:fld id="{B4C71EC6-210F-42DE-9C53-41977AD35B3D}" type="datetimeFigureOut">
               <a:rPr lang="ru-RU" smtClean="0"/>
-              <a:t>29.01.2023</a:t>
+              <a:t>09.02.2023</a:t>
             </a:fld>
             <a:endParaRPr lang="ru-RU"/>
           </a:p>
@@ -1274,7 +1280,7 @@
           <a:p>
             <a:fld id="{B4C71EC6-210F-42DE-9C53-41977AD35B3D}" type="datetimeFigureOut">
               <a:rPr lang="ru-RU" smtClean="0"/>
-              <a:t>29.01.2023</a:t>
+              <a:t>09.02.2023</a:t>
             </a:fld>
             <a:endParaRPr lang="ru-RU"/>
           </a:p>
@@ -1543,7 +1549,7 @@
           <a:p>
             <a:fld id="{B4C71EC6-210F-42DE-9C53-41977AD35B3D}" type="datetimeFigureOut">
               <a:rPr lang="ru-RU" smtClean="0"/>
-              <a:t>29.01.2023</a:t>
+              <a:t>09.02.2023</a:t>
             </a:fld>
             <a:endParaRPr lang="ru-RU"/>
           </a:p>
@@ -1990,7 +1996,7 @@
           <a:p>
             <a:fld id="{B4C71EC6-210F-42DE-9C53-41977AD35B3D}" type="datetimeFigureOut">
               <a:rPr lang="ru-RU" smtClean="0"/>
-              <a:t>29.01.2023</a:t>
+              <a:t>09.02.2023</a:t>
             </a:fld>
             <a:endParaRPr lang="ru-RU"/>
           </a:p>
@@ -2103,7 +2109,7 @@
           <a:p>
             <a:fld id="{B4C71EC6-210F-42DE-9C53-41977AD35B3D}" type="datetimeFigureOut">
               <a:rPr lang="ru-RU" smtClean="0"/>
-              <a:t>29.01.2023</a:t>
+              <a:t>09.02.2023</a:t>
             </a:fld>
             <a:endParaRPr lang="ru-RU"/>
           </a:p>
@@ -2353,7 +2359,7 @@
           <a:p>
             <a:fld id="{B4C71EC6-210F-42DE-9C53-41977AD35B3D}" type="datetimeFigureOut">
               <a:rPr lang="ru-RU" smtClean="0"/>
-              <a:t>29.01.2023</a:t>
+              <a:t>09.02.2023</a:t>
             </a:fld>
             <a:endParaRPr lang="ru-RU"/>
           </a:p>
@@ -2593,7 +2599,7 @@
           <a:p>
             <a:fld id="{B4C71EC6-210F-42DE-9C53-41977AD35B3D}" type="datetimeFigureOut">
               <a:rPr lang="ru-RU" smtClean="0"/>
-              <a:t>29.01.2023</a:t>
+              <a:t>09.02.2023</a:t>
             </a:fld>
             <a:endParaRPr lang="ru-RU"/>
           </a:p>
@@ -2766,7 +2772,7 @@
           <a:p>
             <a:fld id="{B4C71EC6-210F-42DE-9C53-41977AD35B3D}" type="datetimeFigureOut">
               <a:rPr lang="ru-RU" smtClean="0"/>
-              <a:t>29.01.2023</a:t>
+              <a:t>09.02.2023</a:t>
             </a:fld>
             <a:endParaRPr lang="ru-RU"/>
           </a:p>
@@ -4049,6 +4055,309 @@
 </p:sld>
 </file>
 
+<file path=ppt/slides/slide10.xml><?xml version="1.0" encoding="utf-8"?>
+<p:sld xmlns:a="http://schemas.openxmlformats.org/drawingml/2006/main" xmlns:r="http://schemas.openxmlformats.org/officeDocument/2006/relationships" xmlns:p="http://schemas.openxmlformats.org/presentationml/2006/main">
+  <p:cSld>
+    <p:spTree>
+      <p:nvGrpSpPr>
+        <p:cNvPr id="1" name=""/>
+        <p:cNvGrpSpPr/>
+        <p:nvPr/>
+      </p:nvGrpSpPr>
+      <p:grpSpPr>
+        <a:xfrm>
+          <a:off x="0" y="0"/>
+          <a:ext cx="0" cy="0"/>
+          <a:chOff x="0" y="0"/>
+          <a:chExt cx="0" cy="0"/>
+        </a:xfrm>
+      </p:grpSpPr>
+      <p:pic>
+        <p:nvPicPr>
+          <p:cNvPr id="4" name="Объект 3"/>
+          <p:cNvPicPr>
+            <a:picLocks noGrp="1" noChangeAspect="1"/>
+          </p:cNvPicPr>
+          <p:nvPr>
+            <p:ph idx="1"/>
+          </p:nvPr>
+        </p:nvPicPr>
+        <p:blipFill>
+          <a:blip r:embed="rId2">
+            <a:extLst>
+              <a:ext uri="{28A0092B-C50C-407E-A947-70E740481C1C}">
+                <a14:useLocalDpi xmlns:a14="http://schemas.microsoft.com/office/drawing/2010/main" val="0"/>
+              </a:ext>
+            </a:extLst>
+          </a:blip>
+          <a:stretch>
+            <a:fillRect/>
+          </a:stretch>
+        </p:blipFill>
+        <p:spPr>
+          <a:xfrm>
+            <a:off x="971600" y="764704"/>
+            <a:ext cx="7205133" cy="5403850"/>
+          </a:xfrm>
+          <a:prstGeom prst="rect">
+            <a:avLst/>
+          </a:prstGeom>
+          <a:ln>
+            <a:noFill/>
+          </a:ln>
+          <a:effectLst>
+            <a:softEdge rad="112500"/>
+          </a:effectLst>
+        </p:spPr>
+      </p:pic>
+      <p:sp>
+        <p:nvSpPr>
+          <p:cNvPr id="3" name="Объект 1"/>
+          <p:cNvSpPr txBox="1">
+            <a:spLocks/>
+          </p:cNvSpPr>
+          <p:nvPr/>
+        </p:nvSpPr>
+        <p:spPr>
+          <a:xfrm>
+            <a:off x="1619672" y="5445224"/>
+            <a:ext cx="6264696" cy="576064"/>
+          </a:xfrm>
+          <a:prstGeom prst="rect">
+            <a:avLst/>
+          </a:prstGeom>
+        </p:spPr>
+        <p:txBody>
+          <a:bodyPr vert="horz">
+            <a:normAutofit/>
+          </a:bodyPr>
+          <a:lstStyle>
+            <a:lvl1pPr marL="274320" indent="-274320" algn="l" rtl="0" eaLnBrk="1" latinLnBrk="0" hangingPunct="1">
+              <a:spcBef>
+                <a:spcPts val="600"/>
+              </a:spcBef>
+              <a:buClr>
+                <a:schemeClr val="accent2"/>
+              </a:buClr>
+              <a:buSzPct val="85000"/>
+              <a:buFont typeface="Wingdings 2"/>
+              <a:buChar char=""/>
+              <a:defRPr kumimoji="0" sz="2600" kern="1200">
+                <a:solidFill>
+                  <a:schemeClr val="tx1"/>
+                </a:solidFill>
+                <a:latin typeface="+mn-lt"/>
+                <a:ea typeface="+mn-ea"/>
+                <a:cs typeface="+mn-cs"/>
+              </a:defRPr>
+            </a:lvl1pPr>
+            <a:lvl2pPr marL="640080" indent="-274320" algn="l" rtl="0" eaLnBrk="1" latinLnBrk="0" hangingPunct="1">
+              <a:spcBef>
+                <a:spcPts val="300"/>
+              </a:spcBef>
+              <a:buClr>
+                <a:schemeClr val="accent2">
+                  <a:shade val="75000"/>
+                </a:schemeClr>
+              </a:buClr>
+              <a:buSzPct val="85000"/>
+              <a:buFont typeface="Wingdings 2"/>
+              <a:buChar char=""/>
+              <a:defRPr kumimoji="0" sz="2400" kern="1200">
+                <a:solidFill>
+                  <a:schemeClr val="tx2"/>
+                </a:solidFill>
+                <a:latin typeface="+mn-lt"/>
+                <a:ea typeface="+mn-ea"/>
+                <a:cs typeface="+mn-cs"/>
+              </a:defRPr>
+            </a:lvl2pPr>
+            <a:lvl3pPr marL="1005840" indent="-228600" algn="l" rtl="0" eaLnBrk="1" latinLnBrk="0" hangingPunct="1">
+              <a:spcBef>
+                <a:spcPts val="300"/>
+              </a:spcBef>
+              <a:buClr>
+                <a:schemeClr val="accent2">
+                  <a:shade val="50000"/>
+                </a:schemeClr>
+              </a:buClr>
+              <a:buSzPct val="85000"/>
+              <a:buFont typeface="Wingdings 2"/>
+              <a:buChar char=""/>
+              <a:defRPr kumimoji="0" sz="2100" kern="1200">
+                <a:solidFill>
+                  <a:schemeClr val="tx1"/>
+                </a:solidFill>
+                <a:latin typeface="+mn-lt"/>
+                <a:ea typeface="+mn-ea"/>
+                <a:cs typeface="+mn-cs"/>
+              </a:defRPr>
+            </a:lvl3pPr>
+            <a:lvl4pPr marL="1280160" indent="-228600" algn="l" rtl="0" eaLnBrk="1" latinLnBrk="0" hangingPunct="1">
+              <a:spcBef>
+                <a:spcPts val="300"/>
+              </a:spcBef>
+              <a:buClr>
+                <a:schemeClr val="accent2">
+                  <a:shade val="75000"/>
+                </a:schemeClr>
+              </a:buClr>
+              <a:buSzPct val="85000"/>
+              <a:buFont typeface="Wingdings 2" pitchFamily="18" charset="2"/>
+              <a:buChar char=""/>
+              <a:defRPr kumimoji="0" sz="1900" kern="1200">
+                <a:solidFill>
+                  <a:schemeClr val="tx1"/>
+                </a:solidFill>
+                <a:latin typeface="+mn-lt"/>
+                <a:ea typeface="+mn-ea"/>
+                <a:cs typeface="+mn-cs"/>
+              </a:defRPr>
+            </a:lvl4pPr>
+            <a:lvl5pPr marL="1554480" indent="-228600" algn="l" rtl="0" eaLnBrk="1" latinLnBrk="0" hangingPunct="1">
+              <a:spcBef>
+                <a:spcPts val="340"/>
+              </a:spcBef>
+              <a:buClr>
+                <a:schemeClr val="accent2">
+                  <a:shade val="75000"/>
+                </a:schemeClr>
+              </a:buClr>
+              <a:buSzPct val="85000"/>
+              <a:buFont typeface="Wingdings 2" pitchFamily="18" charset="2"/>
+              <a:buChar char=""/>
+              <a:defRPr kumimoji="0" sz="1600" kern="1200">
+                <a:solidFill>
+                  <a:schemeClr val="tx1"/>
+                </a:solidFill>
+                <a:latin typeface="+mn-lt"/>
+                <a:ea typeface="+mn-ea"/>
+                <a:cs typeface="+mn-cs"/>
+              </a:defRPr>
+            </a:lvl5pPr>
+            <a:lvl6pPr marL="1828800" indent="-228600" algn="l" rtl="0" eaLnBrk="1" latinLnBrk="0" hangingPunct="1">
+              <a:spcBef>
+                <a:spcPts val="340"/>
+              </a:spcBef>
+              <a:buClr>
+                <a:schemeClr val="accent2">
+                  <a:shade val="75000"/>
+                </a:schemeClr>
+              </a:buClr>
+              <a:buSzPct val="85000"/>
+              <a:buFont typeface="Wingdings 2" pitchFamily="18" charset="2"/>
+              <a:buChar char="?"/>
+              <a:defRPr kumimoji="0" sz="1700" kern="1200">
+                <a:solidFill>
+                  <a:schemeClr val="tx1"/>
+                </a:solidFill>
+                <a:latin typeface="+mn-lt"/>
+                <a:ea typeface="+mn-ea"/>
+                <a:cs typeface="+mn-cs"/>
+              </a:defRPr>
+            </a:lvl6pPr>
+            <a:lvl7pPr marL="2011680" indent="-182880" algn="l" rtl="0" eaLnBrk="1" latinLnBrk="0" hangingPunct="1">
+              <a:spcBef>
+                <a:spcPts val="340"/>
+              </a:spcBef>
+              <a:buClr>
+                <a:schemeClr val="accent2">
+                  <a:shade val="75000"/>
+                </a:schemeClr>
+              </a:buClr>
+              <a:buSzPct val="85000"/>
+              <a:buFont typeface="Wingdings 2" pitchFamily="18" charset="2"/>
+              <a:buChar char="?"/>
+              <a:defRPr kumimoji="0" sz="1600" kern="1200" baseline="0">
+                <a:solidFill>
+                  <a:schemeClr val="tx1"/>
+                </a:solidFill>
+                <a:latin typeface="+mn-lt"/>
+                <a:ea typeface="+mn-ea"/>
+                <a:cs typeface="+mn-cs"/>
+              </a:defRPr>
+            </a:lvl7pPr>
+            <a:lvl8pPr marL="2286000" indent="-182880" algn="l" rtl="0" eaLnBrk="1" latinLnBrk="0" hangingPunct="1">
+              <a:spcBef>
+                <a:spcPts val="340"/>
+              </a:spcBef>
+              <a:buClr>
+                <a:schemeClr val="accent2">
+                  <a:shade val="75000"/>
+                </a:schemeClr>
+              </a:buClr>
+              <a:buSzPct val="85000"/>
+              <a:buFont typeface="Wingdings 2" pitchFamily="18" charset="2"/>
+              <a:buChar char="?"/>
+              <a:defRPr kumimoji="0" sz="1500" kern="1200">
+                <a:solidFill>
+                  <a:schemeClr val="tx1"/>
+                </a:solidFill>
+                <a:latin typeface="+mn-lt"/>
+                <a:ea typeface="+mn-ea"/>
+                <a:cs typeface="+mn-cs"/>
+              </a:defRPr>
+            </a:lvl8pPr>
+            <a:lvl9pPr marL="2560320" indent="-182880" algn="l" rtl="0" eaLnBrk="1" latinLnBrk="0" hangingPunct="1">
+              <a:spcBef>
+                <a:spcPts val="340"/>
+              </a:spcBef>
+              <a:buClr>
+                <a:schemeClr val="accent2">
+                  <a:shade val="75000"/>
+                </a:schemeClr>
+              </a:buClr>
+              <a:buSzPct val="85000"/>
+              <a:buFont typeface="Wingdings 2" pitchFamily="18" charset="2"/>
+              <a:buChar char="?"/>
+              <a:defRPr kumimoji="0" sz="1500" kern="1200">
+                <a:solidFill>
+                  <a:schemeClr val="tx1"/>
+                </a:solidFill>
+                <a:latin typeface="+mn-lt"/>
+                <a:ea typeface="+mn-ea"/>
+                <a:cs typeface="+mn-cs"/>
+              </a:defRPr>
+            </a:lvl9pPr>
+          </a:lstStyle>
+          <a:p>
+            <a:r>
+              <a:rPr lang="en-US" dirty="0" smtClean="0">
+                <a:solidFill>
+                  <a:schemeClr val="bg1"/>
+                </a:solidFill>
+                <a:hlinkClick r:id="rId3"/>
+              </a:rPr>
+              <a:t>http://my-audio-lib.cooldown-projects.art/</a:t>
+            </a:r>
+            <a:endParaRPr lang="ru-RU" dirty="0">
+              <a:solidFill>
+                <a:schemeClr val="bg1"/>
+              </a:solidFill>
+            </a:endParaRPr>
+          </a:p>
+        </p:txBody>
+      </p:sp>
+    </p:spTree>
+    <p:extLst>
+      <p:ext uri="{BB962C8B-B14F-4D97-AF65-F5344CB8AC3E}">
+        <p14:creationId xmlns:p14="http://schemas.microsoft.com/office/powerpoint/2010/main" val="1853538203"/>
+      </p:ext>
+    </p:extLst>
+  </p:cSld>
+  <p:clrMapOvr>
+    <a:masterClrMapping/>
+  </p:clrMapOvr>
+  <p:timing>
+    <p:tnLst>
+      <p:par>
+        <p:cTn id="1" dur="indefinite" restart="never" nodeType="tmRoot"/>
+      </p:par>
+    </p:tnLst>
+  </p:timing>
+</p:sld>
+</file>
+
 <file path=ppt/slides/slide2.xml><?xml version="1.0" encoding="utf-8"?>
 <p:sld xmlns:a="http://schemas.openxmlformats.org/drawingml/2006/main" xmlns:r="http://schemas.openxmlformats.org/officeDocument/2006/relationships" xmlns:p="http://schemas.openxmlformats.org/presentationml/2006/main">
   <p:cSld>
@@ -4081,74 +4390,47 @@
           <a:bodyPr/>
           <a:lstStyle/>
           <a:p>
+            <a:pPr marL="0" indent="0">
+              <a:buNone/>
+            </a:pPr>
+            <a:r>
+              <a:rPr lang="en-US" b="1" dirty="0" smtClean="0"/>
+              <a:t>1 - </a:t>
+            </a:r>
+            <a:r>
+              <a:rPr lang="ro-RO" b="1" dirty="0" smtClean="0"/>
+              <a:t>B</a:t>
+            </a:r>
             <a:r>
               <a:rPr lang="en-US" b="1" dirty="0" err="1" smtClean="0"/>
-              <a:t>Crearea</a:t>
+              <a:t>ibliotec</a:t>
+            </a:r>
+            <a:r>
+              <a:rPr lang="ro-RO" b="1" dirty="0" smtClean="0"/>
+              <a:t>ă</a:t>
             </a:r>
             <a:r>
               <a:rPr lang="en-US" b="1" dirty="0" smtClean="0"/>
-              <a:t> </a:t>
-            </a:r>
-            <a:r>
-              <a:rPr lang="en-US" b="1" dirty="0" err="1" smtClean="0"/>
-              <a:t>unei</a:t>
+              <a:t> de c</a:t>
             </a:r>
             <a:r>
               <a:rPr lang="ro-RO" b="1" dirty="0" smtClean="0"/>
-              <a:t> aplicații web care va prezenta in sine o</a:t>
-            </a:r>
+              <a:t>ărți audio cu audio player, lista de cărți favorite, sistem de comentarii și sistem de like-uri.</a:t>
+            </a:r>
+            <a:endParaRPr lang="en-US" b="1" dirty="0" smtClean="0"/>
+          </a:p>
+          <a:p>
+            <a:pPr marL="0" indent="0">
+              <a:buNone/>
+            </a:pPr>
             <a:r>
               <a:rPr lang="en-US" b="1" dirty="0" smtClean="0"/>
-              <a:t> </a:t>
+              <a:t>2 - </a:t>
             </a:r>
             <a:r>
               <a:rPr lang="ro-RO" b="1" dirty="0" smtClean="0"/>
-              <a:t>colecție de cărți audio care pot fi ascultate cu ajutorul unui audio player integrat in aceasta aplicație, utilizatorii vor avea posibilitatea de a adauga cărți din colecție în lista de cărți favorite, </a:t>
-            </a:r>
-            <a:r>
-              <a:rPr lang="en-US" b="1" dirty="0" err="1" smtClean="0"/>
-              <a:t>posibilitatea</a:t>
-            </a:r>
-            <a:r>
-              <a:rPr lang="en-US" b="1" dirty="0" smtClean="0"/>
-              <a:t> de a </a:t>
-            </a:r>
-            <a:r>
-              <a:rPr lang="ro-RO" b="1" dirty="0" smtClean="0"/>
-              <a:t>scri la fiecare dintre cărti</a:t>
-            </a:r>
-            <a:r>
-              <a:rPr lang="en-US" b="1" dirty="0" smtClean="0"/>
-              <a:t> </a:t>
-            </a:r>
-            <a:r>
-              <a:rPr lang="ro-RO" b="1" dirty="0" smtClean="0"/>
-              <a:t>comentarii și de a lăsa </a:t>
-            </a:r>
-            <a:r>
-              <a:rPr lang="en-US" b="1" dirty="0" smtClean="0"/>
-              <a:t>un like</a:t>
-            </a:r>
-            <a:r>
-              <a:rPr lang="ro-RO" b="1" dirty="0" smtClean="0"/>
-              <a:t> sau </a:t>
-            </a:r>
-            <a:r>
-              <a:rPr lang="en-US" b="1" dirty="0" smtClean="0"/>
-              <a:t>dislike</a:t>
-            </a:r>
-            <a:r>
-              <a:rPr lang="ro-RO" b="1" dirty="0" smtClean="0"/>
-              <a:t> pentru acestea.</a:t>
-            </a:r>
-          </a:p>
-          <a:p>
-            <a:r>
-              <a:rPr lang="ro-RO" b="1" dirty="0" smtClean="0"/>
-              <a:t>Cărtile pot fi adaugate, editate sau eliminate de către utilizatorii cu drept de admin.</a:t>
-            </a:r>
-          </a:p>
-          <a:p>
+              <a:t>Cărțile pot fi adaugate, modificate sau eliminate din baza de date de utilizatorii cu drept de admin.</a:t>
+            </a:r>
             <a:endParaRPr lang="en-US" b="1" dirty="0"/>
           </a:p>
           <a:p>
@@ -4245,94 +4527,91 @@
             </a:r>
             <a:r>
               <a:rPr lang="ro-RO" dirty="0" smtClean="0"/>
-              <a:t>l.</a:t>
-            </a:r>
-          </a:p>
-          <a:p>
+              <a:t>l. </a:t>
+            </a:r>
+            <a:endParaRPr lang="en-US" dirty="0" smtClean="0"/>
+          </a:p>
+          <a:p>
+            <a:r>
+              <a:rPr lang="en-US" dirty="0" err="1" smtClean="0"/>
+              <a:t>Limbaje</a:t>
+            </a:r>
+            <a:r>
+              <a:rPr lang="en-US" dirty="0" smtClean="0"/>
+              <a:t> de </a:t>
+            </a:r>
+            <a:r>
+              <a:rPr lang="en-US" dirty="0" err="1" smtClean="0"/>
+              <a:t>programare</a:t>
+            </a:r>
+            <a:r>
+              <a:rPr lang="en-US" dirty="0"/>
+              <a:t> </a:t>
+            </a:r>
+            <a:r>
+              <a:rPr lang="en-US" dirty="0" smtClean="0"/>
+              <a:t>– </a:t>
+            </a:r>
             <a:r>
               <a:rPr lang="ro-RO" dirty="0" smtClean="0"/>
+              <a:t>PHP, Blade, Vue, JavaScript,</a:t>
+            </a:r>
+            <a:endParaRPr lang="en-US" dirty="0" smtClean="0"/>
+          </a:p>
+          <a:p>
+            <a:r>
+              <a:rPr lang="en-US" dirty="0" smtClean="0"/>
+              <a:t>HTML </a:t>
+            </a:r>
+            <a:r>
+              <a:rPr lang="ro-RO" dirty="0" smtClean="0"/>
+              <a:t>și</a:t>
+            </a:r>
+            <a:r>
+              <a:rPr lang="en-US" dirty="0" smtClean="0"/>
+              <a:t> </a:t>
+            </a:r>
+            <a:r>
+              <a:rPr lang="ro-RO" dirty="0" smtClean="0"/>
+              <a:t>CSS</a:t>
+            </a:r>
+            <a:r>
+              <a:rPr lang="ro-RO" dirty="0"/>
+              <a:t>.</a:t>
+            </a:r>
+          </a:p>
+          <a:p>
+            <a:r>
+              <a:rPr lang="ro-RO" dirty="0"/>
               <a:t>Baza de date – mysql.</a:t>
             </a:r>
           </a:p>
           <a:p>
+            <a:endParaRPr lang="ro-RO" dirty="0" smtClean="0"/>
+          </a:p>
+        </p:txBody>
+      </p:sp>
+      <p:sp>
+        <p:nvSpPr>
+          <p:cNvPr id="3" name="Заголовок 2"/>
+          <p:cNvSpPr>
+            <a:spLocks noGrp="1"/>
+          </p:cNvSpPr>
+          <p:nvPr>
+            <p:ph type="title"/>
+          </p:nvPr>
+        </p:nvSpPr>
+        <p:spPr/>
+        <p:txBody>
+          <a:bodyPr/>
+          <a:lstStyle/>
+          <a:p>
             <a:r>
               <a:rPr lang="ro-RO" dirty="0" smtClean="0"/>
-              <a:t>Limbajele de programare utilizate</a:t>
-            </a:r>
-            <a:r>
-              <a:rPr lang="en-US" dirty="0" smtClean="0"/>
-              <a:t>:</a:t>
-            </a:r>
-          </a:p>
-          <a:p>
-            <a:r>
-              <a:rPr lang="ro-RO" dirty="0" smtClean="0"/>
-              <a:t>- PHP,</a:t>
-            </a:r>
-          </a:p>
-          <a:p>
-            <a:r>
-              <a:rPr lang="ro-RO" dirty="0"/>
-              <a:t>-</a:t>
-            </a:r>
-            <a:r>
-              <a:rPr lang="ro-RO" dirty="0" smtClean="0"/>
-              <a:t> Blade,</a:t>
-            </a:r>
-          </a:p>
-          <a:p>
-            <a:r>
-              <a:rPr lang="ro-RO" dirty="0"/>
-              <a:t>-</a:t>
-            </a:r>
-            <a:r>
-              <a:rPr lang="ro-RO" dirty="0" smtClean="0"/>
-              <a:t> Vue,</a:t>
-            </a:r>
-          </a:p>
-          <a:p>
-            <a:r>
-              <a:rPr lang="ro-RO" dirty="0"/>
-              <a:t>-</a:t>
-            </a:r>
-            <a:r>
-              <a:rPr lang="ro-RO" dirty="0" smtClean="0"/>
-              <a:t> JavaScript,</a:t>
-            </a:r>
-          </a:p>
-          <a:p>
-            <a:r>
-              <a:rPr lang="ro-RO" dirty="0"/>
-              <a:t>-</a:t>
-            </a:r>
-            <a:r>
-              <a:rPr lang="ro-RO" dirty="0" smtClean="0"/>
-              <a:t> CSS.</a:t>
-            </a:r>
-          </a:p>
-        </p:txBody>
-      </p:sp>
-      <p:sp>
-        <p:nvSpPr>
-          <p:cNvPr id="3" name="Заголовок 2"/>
-          <p:cNvSpPr>
-            <a:spLocks noGrp="1"/>
-          </p:cNvSpPr>
-          <p:nvPr>
-            <p:ph type="title"/>
-          </p:nvPr>
-        </p:nvSpPr>
-        <p:spPr/>
-        <p:txBody>
-          <a:bodyPr/>
-          <a:lstStyle/>
-          <a:p>
-            <a:r>
-              <a:rPr lang="ro-RO" dirty="0" smtClean="0"/>
-              <a:t>Materiale și metode</a:t>
-            </a:r>
-            <a:r>
-              <a:rPr lang="en-US" dirty="0" smtClean="0"/>
+              <a:t>Framework și limbaje utilizate</a:t>
+            </a:r>
+            <a:r>
+              <a:rPr lang="en-US" dirty="0"/>
               <a:t>:</a:t>
             </a:r>
             <a:endParaRPr lang="ru-RU" dirty="0"/>
@@ -4388,12 +4667,34 @@
         </p:nvSpPr>
         <p:spPr/>
         <p:txBody>
-          <a:bodyPr/>
+          <a:bodyPr>
+            <a:normAutofit fontScale="90000"/>
+          </a:bodyPr>
           <a:lstStyle/>
           <a:p>
             <a:r>
               <a:rPr lang="ro-RO" dirty="0" smtClean="0"/>
-              <a:t>Diagrama BD</a:t>
+              <a:t>Aspect</a:t>
+            </a:r>
+            <a:r>
+              <a:rPr lang="en-US" dirty="0" err="1" smtClean="0"/>
+              <a:t>ul</a:t>
+            </a:r>
+            <a:r>
+              <a:rPr lang="en-US" dirty="0" smtClean="0"/>
+              <a:t> </a:t>
+            </a:r>
+            <a:r>
+              <a:rPr lang="en-US" dirty="0" smtClean="0"/>
+              <a:t>site-</a:t>
+            </a:r>
+            <a:r>
+              <a:rPr lang="en-US" dirty="0" err="1" smtClean="0"/>
+              <a:t>ului</a:t>
+            </a:r>
+            <a:r>
+              <a:rPr lang="ro-RO" dirty="0" smtClean="0"/>
+              <a:t> pe diferite dispozitive</a:t>
             </a:r>
             <a:r>
               <a:rPr lang="en-US" dirty="0" smtClean="0"/>
@@ -4405,7 +4706,7 @@
       </p:sp>
       <p:pic>
         <p:nvPicPr>
-          <p:cNvPr id="6" name="Объект 5"/>
+          <p:cNvPr id="7" name="Объект 6"/>
           <p:cNvPicPr>
             <a:picLocks noGrp="1" noChangeAspect="1"/>
           </p:cNvPicPr>
@@ -4427,18 +4728,9 @@
         </p:blipFill>
         <p:spPr>
           <a:xfrm>
-            <a:off x="539552" y="1524000"/>
-            <a:ext cx="8064895" cy="4785320"/>
+            <a:off x="539552" y="1700808"/>
+            <a:ext cx="8064896" cy="4824536"/>
           </a:xfrm>
-          <a:prstGeom prst="rect">
-            <a:avLst/>
-          </a:prstGeom>
-          <a:ln>
-            <a:noFill/>
-          </a:ln>
-          <a:effectLst>
-            <a:softEdge rad="112500"/>
-          </a:effectLst>
         </p:spPr>
       </p:pic>
     </p:spTree>
@@ -4458,6 +4750,471 @@
       </p:par>
     </p:tnLst>
   </p:timing>
+</p:sld>
+</file>
+
+<file path=ppt/slides/slide5.xml><?xml version="1.0" encoding="utf-8"?>
+<p:sld xmlns:a="http://schemas.openxmlformats.org/drawingml/2006/main" xmlns:r="http://schemas.openxmlformats.org/officeDocument/2006/relationships" xmlns:p="http://schemas.openxmlformats.org/presentationml/2006/main">
+  <p:cSld>
+    <p:spTree>
+      <p:nvGrpSpPr>
+        <p:cNvPr id="1" name=""/>
+        <p:cNvGrpSpPr/>
+        <p:nvPr/>
+      </p:nvGrpSpPr>
+      <p:grpSpPr>
+        <a:xfrm>
+          <a:off x="0" y="0"/>
+          <a:ext cx="0" cy="0"/>
+          <a:chOff x="0" y="0"/>
+          <a:chExt cx="0" cy="0"/>
+        </a:xfrm>
+      </p:grpSpPr>
+      <p:sp>
+        <p:nvSpPr>
+          <p:cNvPr id="3" name="Заголовок 2"/>
+          <p:cNvSpPr>
+            <a:spLocks noGrp="1"/>
+          </p:cNvSpPr>
+          <p:nvPr>
+            <p:ph type="title"/>
+          </p:nvPr>
+        </p:nvSpPr>
+        <p:spPr/>
+        <p:txBody>
+          <a:bodyPr/>
+          <a:lstStyle/>
+          <a:p>
+            <a:r>
+              <a:rPr lang="en-US" dirty="0" err="1" smtClean="0"/>
+              <a:t>Diagrama</a:t>
+            </a:r>
+            <a:r>
+              <a:rPr lang="en-US" dirty="0" smtClean="0"/>
+              <a:t> </a:t>
+            </a:r>
+            <a:r>
+              <a:rPr lang="en-US" dirty="0" err="1" smtClean="0"/>
+              <a:t>bazei</a:t>
+            </a:r>
+            <a:r>
+              <a:rPr lang="en-US" dirty="0" smtClean="0"/>
+              <a:t> de date:</a:t>
+            </a:r>
+            <a:endParaRPr lang="ru-RU" dirty="0"/>
+          </a:p>
+        </p:txBody>
+      </p:sp>
+      <p:pic>
+        <p:nvPicPr>
+          <p:cNvPr id="6" name="Объект 5"/>
+          <p:cNvPicPr>
+            <a:picLocks noGrp="1" noChangeAspect="1"/>
+          </p:cNvPicPr>
+          <p:nvPr>
+            <p:ph idx="1"/>
+          </p:nvPr>
+        </p:nvPicPr>
+        <p:blipFill>
+          <a:blip r:embed="rId2">
+            <a:extLst>
+              <a:ext uri="{28A0092B-C50C-407E-A947-70E740481C1C}">
+                <a14:useLocalDpi xmlns:a14="http://schemas.microsoft.com/office/drawing/2010/main" val="0"/>
+              </a:ext>
+            </a:extLst>
+          </a:blip>
+          <a:stretch>
+            <a:fillRect/>
+          </a:stretch>
+        </p:blipFill>
+        <p:spPr>
+          <a:xfrm>
+            <a:off x="467544" y="1524000"/>
+            <a:ext cx="8064896" cy="4572000"/>
+          </a:xfrm>
+        </p:spPr>
+      </p:pic>
+    </p:spTree>
+    <p:extLst>
+      <p:ext uri="{BB962C8B-B14F-4D97-AF65-F5344CB8AC3E}">
+        <p14:creationId xmlns:p14="http://schemas.microsoft.com/office/powerpoint/2010/main" val="3776768936"/>
+      </p:ext>
+    </p:extLst>
+  </p:cSld>
+  <p:clrMapOvr>
+    <a:masterClrMapping/>
+  </p:clrMapOvr>
+  <p:timing>
+    <p:tnLst>
+      <p:par>
+        <p:cTn id="1" dur="indefinite" restart="never" nodeType="tmRoot"/>
+      </p:par>
+    </p:tnLst>
+  </p:timing>
+</p:sld>
+</file>
+
+<file path=ppt/slides/slide6.xml><?xml version="1.0" encoding="utf-8"?>
+<p:sld xmlns:a="http://schemas.openxmlformats.org/drawingml/2006/main" xmlns:r="http://schemas.openxmlformats.org/officeDocument/2006/relationships" xmlns:p="http://schemas.openxmlformats.org/presentationml/2006/main">
+  <p:cSld>
+    <p:spTree>
+      <p:nvGrpSpPr>
+        <p:cNvPr id="1" name=""/>
+        <p:cNvGrpSpPr/>
+        <p:nvPr/>
+      </p:nvGrpSpPr>
+      <p:grpSpPr>
+        <a:xfrm>
+          <a:off x="0" y="0"/>
+          <a:ext cx="0" cy="0"/>
+          <a:chOff x="0" y="0"/>
+          <a:chExt cx="0" cy="0"/>
+        </a:xfrm>
+      </p:grpSpPr>
+      <p:pic>
+        <p:nvPicPr>
+          <p:cNvPr id="4" name="Объект 3"/>
+          <p:cNvPicPr>
+            <a:picLocks noGrp="1" noChangeAspect="1"/>
+          </p:cNvPicPr>
+          <p:nvPr>
+            <p:ph idx="1"/>
+          </p:nvPr>
+        </p:nvPicPr>
+        <p:blipFill>
+          <a:blip r:embed="rId2">
+            <a:extLst>
+              <a:ext uri="{28A0092B-C50C-407E-A947-70E740481C1C}">
+                <a14:useLocalDpi xmlns:a14="http://schemas.microsoft.com/office/drawing/2010/main" val="0"/>
+              </a:ext>
+            </a:extLst>
+          </a:blip>
+          <a:stretch>
+            <a:fillRect/>
+          </a:stretch>
+        </p:blipFill>
+        <p:spPr>
+          <a:xfrm>
+            <a:off x="539552" y="1484784"/>
+            <a:ext cx="8136904" cy="4752528"/>
+          </a:xfrm>
+        </p:spPr>
+      </p:pic>
+      <p:sp>
+        <p:nvSpPr>
+          <p:cNvPr id="5" name="Заголовок 2"/>
+          <p:cNvSpPr>
+            <a:spLocks noGrp="1"/>
+          </p:cNvSpPr>
+          <p:nvPr>
+            <p:ph type="title"/>
+          </p:nvPr>
+        </p:nvSpPr>
+        <p:spPr>
+          <a:xfrm>
+            <a:off x="457200" y="152400"/>
+            <a:ext cx="8229600" cy="1219200"/>
+          </a:xfrm>
+        </p:spPr>
+        <p:txBody>
+          <a:bodyPr/>
+          <a:lstStyle/>
+          <a:p>
+            <a:r>
+              <a:rPr lang="ro-RO" dirty="0" smtClean="0"/>
+              <a:t>Pagina principala</a:t>
+            </a:r>
+            <a:r>
+              <a:rPr lang="en-US" dirty="0" smtClean="0"/>
+              <a:t>:</a:t>
+            </a:r>
+            <a:endParaRPr lang="ru-RU" dirty="0"/>
+          </a:p>
+        </p:txBody>
+      </p:sp>
+    </p:spTree>
+    <p:extLst>
+      <p:ext uri="{BB962C8B-B14F-4D97-AF65-F5344CB8AC3E}">
+        <p14:creationId xmlns:p14="http://schemas.microsoft.com/office/powerpoint/2010/main" val="2372511859"/>
+      </p:ext>
+    </p:extLst>
+  </p:cSld>
+  <p:clrMapOvr>
+    <a:masterClrMapping/>
+  </p:clrMapOvr>
+</p:sld>
+</file>
+
+<file path=ppt/slides/slide7.xml><?xml version="1.0" encoding="utf-8"?>
+<p:sld xmlns:a="http://schemas.openxmlformats.org/drawingml/2006/main" xmlns:r="http://schemas.openxmlformats.org/officeDocument/2006/relationships" xmlns:p="http://schemas.openxmlformats.org/presentationml/2006/main">
+  <p:cSld>
+    <p:spTree>
+      <p:nvGrpSpPr>
+        <p:cNvPr id="1" name=""/>
+        <p:cNvGrpSpPr/>
+        <p:nvPr/>
+      </p:nvGrpSpPr>
+      <p:grpSpPr>
+        <a:xfrm>
+          <a:off x="0" y="0"/>
+          <a:ext cx="0" cy="0"/>
+          <a:chOff x="0" y="0"/>
+          <a:chExt cx="0" cy="0"/>
+        </a:xfrm>
+      </p:grpSpPr>
+      <p:pic>
+        <p:nvPicPr>
+          <p:cNvPr id="4" name="Объект 3"/>
+          <p:cNvPicPr>
+            <a:picLocks noGrp="1" noChangeAspect="1"/>
+          </p:cNvPicPr>
+          <p:nvPr>
+            <p:ph idx="1"/>
+          </p:nvPr>
+        </p:nvPicPr>
+        <p:blipFill>
+          <a:blip r:embed="rId2">
+            <a:extLst>
+              <a:ext uri="{28A0092B-C50C-407E-A947-70E740481C1C}">
+                <a14:useLocalDpi xmlns:a14="http://schemas.microsoft.com/office/drawing/2010/main" val="0"/>
+              </a:ext>
+            </a:extLst>
+          </a:blip>
+          <a:stretch>
+            <a:fillRect/>
+          </a:stretch>
+        </p:blipFill>
+        <p:spPr>
+          <a:xfrm>
+            <a:off x="455993" y="1484784"/>
+            <a:ext cx="8232013" cy="4752528"/>
+          </a:xfrm>
+        </p:spPr>
+      </p:pic>
+      <p:sp>
+        <p:nvSpPr>
+          <p:cNvPr id="5" name="Заголовок 2"/>
+          <p:cNvSpPr>
+            <a:spLocks noGrp="1"/>
+          </p:cNvSpPr>
+          <p:nvPr>
+            <p:ph type="title"/>
+          </p:nvPr>
+        </p:nvSpPr>
+        <p:spPr>
+          <a:xfrm>
+            <a:off x="457200" y="152400"/>
+            <a:ext cx="8229600" cy="1219200"/>
+          </a:xfrm>
+        </p:spPr>
+        <p:txBody>
+          <a:bodyPr/>
+          <a:lstStyle/>
+          <a:p>
+            <a:r>
+              <a:rPr lang="ro-RO" dirty="0" smtClean="0"/>
+              <a:t>Pagina unei cărți</a:t>
+            </a:r>
+            <a:r>
+              <a:rPr lang="en-US" dirty="0" smtClean="0"/>
+              <a:t>:</a:t>
+            </a:r>
+            <a:endParaRPr lang="ru-RU" dirty="0"/>
+          </a:p>
+        </p:txBody>
+      </p:sp>
+    </p:spTree>
+    <p:extLst>
+      <p:ext uri="{BB962C8B-B14F-4D97-AF65-F5344CB8AC3E}">
+        <p14:creationId xmlns:p14="http://schemas.microsoft.com/office/powerpoint/2010/main" val="739992365"/>
+      </p:ext>
+    </p:extLst>
+  </p:cSld>
+  <p:clrMapOvr>
+    <a:masterClrMapping/>
+  </p:clrMapOvr>
+</p:sld>
+</file>
+
+<file path=ppt/slides/slide8.xml><?xml version="1.0" encoding="utf-8"?>
+<p:sld xmlns:a="http://schemas.openxmlformats.org/drawingml/2006/main" xmlns:r="http://schemas.openxmlformats.org/officeDocument/2006/relationships" xmlns:p="http://schemas.openxmlformats.org/presentationml/2006/main">
+  <p:cSld>
+    <p:spTree>
+      <p:nvGrpSpPr>
+        <p:cNvPr id="1" name=""/>
+        <p:cNvGrpSpPr/>
+        <p:nvPr/>
+      </p:nvGrpSpPr>
+      <p:grpSpPr>
+        <a:xfrm>
+          <a:off x="0" y="0"/>
+          <a:ext cx="0" cy="0"/>
+          <a:chOff x="0" y="0"/>
+          <a:chExt cx="0" cy="0"/>
+        </a:xfrm>
+      </p:grpSpPr>
+      <p:pic>
+        <p:nvPicPr>
+          <p:cNvPr id="4" name="Объект 3"/>
+          <p:cNvPicPr>
+            <a:picLocks noGrp="1" noChangeAspect="1"/>
+          </p:cNvPicPr>
+          <p:nvPr>
+            <p:ph idx="1"/>
+          </p:nvPr>
+        </p:nvPicPr>
+        <p:blipFill>
+          <a:blip r:embed="rId2">
+            <a:extLst>
+              <a:ext uri="{28A0092B-C50C-407E-A947-70E740481C1C}">
+                <a14:useLocalDpi xmlns:a14="http://schemas.microsoft.com/office/drawing/2010/main" val="0"/>
+              </a:ext>
+            </a:extLst>
+          </a:blip>
+          <a:stretch>
+            <a:fillRect/>
+          </a:stretch>
+        </p:blipFill>
+        <p:spPr>
+          <a:xfrm>
+            <a:off x="1422566" y="1412776"/>
+            <a:ext cx="6298867" cy="4824536"/>
+          </a:xfrm>
+        </p:spPr>
+      </p:pic>
+      <p:sp>
+        <p:nvSpPr>
+          <p:cNvPr id="3" name="Заголовок 2"/>
+          <p:cNvSpPr>
+            <a:spLocks noGrp="1"/>
+          </p:cNvSpPr>
+          <p:nvPr>
+            <p:ph type="title"/>
+          </p:nvPr>
+        </p:nvSpPr>
+        <p:spPr>
+          <a:xfrm>
+            <a:off x="457200" y="152400"/>
+            <a:ext cx="8229600" cy="1219200"/>
+          </a:xfrm>
+        </p:spPr>
+        <p:txBody>
+          <a:bodyPr/>
+          <a:lstStyle/>
+          <a:p>
+            <a:r>
+              <a:rPr lang="ro-RO" dirty="0" smtClean="0"/>
+              <a:t>Player-ul audio</a:t>
+            </a:r>
+            <a:r>
+              <a:rPr lang="en-US" dirty="0" smtClean="0"/>
+              <a:t>:</a:t>
+            </a:r>
+            <a:endParaRPr lang="ru-RU" dirty="0"/>
+          </a:p>
+        </p:txBody>
+      </p:sp>
+    </p:spTree>
+    <p:extLst>
+      <p:ext uri="{BB962C8B-B14F-4D97-AF65-F5344CB8AC3E}">
+        <p14:creationId xmlns:p14="http://schemas.microsoft.com/office/powerpoint/2010/main" val="739992365"/>
+      </p:ext>
+    </p:extLst>
+  </p:cSld>
+  <p:clrMapOvr>
+    <a:masterClrMapping/>
+  </p:clrMapOvr>
+</p:sld>
+</file>
+
+<file path=ppt/slides/slide9.xml><?xml version="1.0" encoding="utf-8"?>
+<p:sld xmlns:a="http://schemas.openxmlformats.org/drawingml/2006/main" xmlns:r="http://schemas.openxmlformats.org/officeDocument/2006/relationships" xmlns:p="http://schemas.openxmlformats.org/presentationml/2006/main">
+  <p:cSld>
+    <p:spTree>
+      <p:nvGrpSpPr>
+        <p:cNvPr id="1" name=""/>
+        <p:cNvGrpSpPr/>
+        <p:nvPr/>
+      </p:nvGrpSpPr>
+      <p:grpSpPr>
+        <a:xfrm>
+          <a:off x="0" y="0"/>
+          <a:ext cx="0" cy="0"/>
+          <a:chOff x="0" y="0"/>
+          <a:chExt cx="0" cy="0"/>
+        </a:xfrm>
+      </p:grpSpPr>
+      <p:pic>
+        <p:nvPicPr>
+          <p:cNvPr id="4" name="Объект 3"/>
+          <p:cNvPicPr>
+            <a:picLocks noGrp="1" noChangeAspect="1"/>
+          </p:cNvPicPr>
+          <p:nvPr>
+            <p:ph idx="1"/>
+          </p:nvPr>
+        </p:nvPicPr>
+        <p:blipFill>
+          <a:blip r:embed="rId2">
+            <a:extLst>
+              <a:ext uri="{28A0092B-C50C-407E-A947-70E740481C1C}">
+                <a14:useLocalDpi xmlns:a14="http://schemas.microsoft.com/office/drawing/2010/main" val="0"/>
+              </a:ext>
+            </a:extLst>
+          </a:blip>
+          <a:stretch>
+            <a:fillRect/>
+          </a:stretch>
+        </p:blipFill>
+        <p:spPr>
+          <a:xfrm>
+            <a:off x="395536" y="1484784"/>
+            <a:ext cx="8352928" cy="4411778"/>
+          </a:xfrm>
+        </p:spPr>
+      </p:pic>
+      <p:sp>
+        <p:nvSpPr>
+          <p:cNvPr id="3" name="Заголовок 2"/>
+          <p:cNvSpPr>
+            <a:spLocks noGrp="1"/>
+          </p:cNvSpPr>
+          <p:nvPr>
+            <p:ph type="title"/>
+          </p:nvPr>
+        </p:nvSpPr>
+        <p:spPr>
+          <a:xfrm>
+            <a:off x="457200" y="152400"/>
+            <a:ext cx="8229600" cy="1219200"/>
+          </a:xfrm>
+        </p:spPr>
+        <p:txBody>
+          <a:bodyPr/>
+          <a:lstStyle/>
+          <a:p>
+            <a:r>
+              <a:rPr lang="ro-RO" dirty="0" smtClean="0"/>
+              <a:t>Sistemul de comentarii</a:t>
+            </a:r>
+            <a:r>
+              <a:rPr lang="en-US" dirty="0" smtClean="0"/>
+              <a:t>:</a:t>
+            </a:r>
+            <a:endParaRPr lang="ru-RU" dirty="0"/>
+          </a:p>
+        </p:txBody>
+      </p:sp>
+    </p:spTree>
+    <p:extLst>
+      <p:ext uri="{BB962C8B-B14F-4D97-AF65-F5344CB8AC3E}">
+        <p14:creationId xmlns:p14="http://schemas.microsoft.com/office/powerpoint/2010/main" val="739992365"/>
+      </p:ext>
+    </p:extLst>
+  </p:cSld>
+  <p:clrMapOvr>
+    <a:masterClrMapping/>
+  </p:clrMapOvr>
 </p:sld>
 </file>
 

--- a/MyAudioLib.pptx
+++ b/MyAudioLib.pptx
@@ -14,7 +14,8 @@
     <p:sldId id="263" r:id="rId8"/>
     <p:sldId id="264" r:id="rId9"/>
     <p:sldId id="265" r:id="rId10"/>
-    <p:sldId id="260" r:id="rId11"/>
+    <p:sldId id="266" r:id="rId11"/>
+    <p:sldId id="260" r:id="rId12"/>
   </p:sldIdLst>
   <p:sldSz cx="9144000" cy="6858000" type="screen4x3"/>
   <p:notesSz cx="6858000" cy="9144000"/>
@@ -406,7 +407,7 @@
           <a:p>
             <a:fld id="{B4C71EC6-210F-42DE-9C53-41977AD35B3D}" type="datetimeFigureOut">
               <a:rPr lang="ru-RU" smtClean="0"/>
-              <a:t>09.02.2023</a:t>
+              <a:t>13.02.2023</a:t>
             </a:fld>
             <a:endParaRPr lang="ru-RU"/>
           </a:p>
@@ -571,7 +572,7 @@
           <a:p>
             <a:fld id="{B4C71EC6-210F-42DE-9C53-41977AD35B3D}" type="datetimeFigureOut">
               <a:rPr lang="ru-RU" smtClean="0"/>
-              <a:t>09.02.2023</a:t>
+              <a:t>13.02.2023</a:t>
             </a:fld>
             <a:endParaRPr lang="ru-RU"/>
           </a:p>
@@ -746,7 +747,7 @@
           <a:p>
             <a:fld id="{B4C71EC6-210F-42DE-9C53-41977AD35B3D}" type="datetimeFigureOut">
               <a:rPr lang="ru-RU" smtClean="0"/>
-              <a:t>09.02.2023</a:t>
+              <a:t>13.02.2023</a:t>
             </a:fld>
             <a:endParaRPr lang="ru-RU"/>
           </a:p>
@@ -893,7 +894,7 @@
           <a:p>
             <a:fld id="{B4C71EC6-210F-42DE-9C53-41977AD35B3D}" type="datetimeFigureOut">
               <a:rPr lang="ru-RU" smtClean="0"/>
-              <a:t>09.02.2023</a:t>
+              <a:t>13.02.2023</a:t>
             </a:fld>
             <a:endParaRPr lang="ru-RU"/>
           </a:p>
@@ -1010,7 +1011,7 @@
           <a:p>
             <a:fld id="{B4C71EC6-210F-42DE-9C53-41977AD35B3D}" type="datetimeFigureOut">
               <a:rPr lang="ru-RU" smtClean="0"/>
-              <a:t>09.02.2023</a:t>
+              <a:t>13.02.2023</a:t>
             </a:fld>
             <a:endParaRPr lang="ru-RU"/>
           </a:p>
@@ -1280,7 +1281,7 @@
           <a:p>
             <a:fld id="{B4C71EC6-210F-42DE-9C53-41977AD35B3D}" type="datetimeFigureOut">
               <a:rPr lang="ru-RU" smtClean="0"/>
-              <a:t>09.02.2023</a:t>
+              <a:t>13.02.2023</a:t>
             </a:fld>
             <a:endParaRPr lang="ru-RU"/>
           </a:p>
@@ -1549,7 +1550,7 @@
           <a:p>
             <a:fld id="{B4C71EC6-210F-42DE-9C53-41977AD35B3D}" type="datetimeFigureOut">
               <a:rPr lang="ru-RU" smtClean="0"/>
-              <a:t>09.02.2023</a:t>
+              <a:t>13.02.2023</a:t>
             </a:fld>
             <a:endParaRPr lang="ru-RU"/>
           </a:p>
@@ -1996,7 +1997,7 @@
           <a:p>
             <a:fld id="{B4C71EC6-210F-42DE-9C53-41977AD35B3D}" type="datetimeFigureOut">
               <a:rPr lang="ru-RU" smtClean="0"/>
-              <a:t>09.02.2023</a:t>
+              <a:t>13.02.2023</a:t>
             </a:fld>
             <a:endParaRPr lang="ru-RU"/>
           </a:p>
@@ -2109,7 +2110,7 @@
           <a:p>
             <a:fld id="{B4C71EC6-210F-42DE-9C53-41977AD35B3D}" type="datetimeFigureOut">
               <a:rPr lang="ru-RU" smtClean="0"/>
-              <a:t>09.02.2023</a:t>
+              <a:t>13.02.2023</a:t>
             </a:fld>
             <a:endParaRPr lang="ru-RU"/>
           </a:p>
@@ -2359,7 +2360,7 @@
           <a:p>
             <a:fld id="{B4C71EC6-210F-42DE-9C53-41977AD35B3D}" type="datetimeFigureOut">
               <a:rPr lang="ru-RU" smtClean="0"/>
-              <a:t>09.02.2023</a:t>
+              <a:t>13.02.2023</a:t>
             </a:fld>
             <a:endParaRPr lang="ru-RU"/>
           </a:p>
@@ -2599,7 +2600,7 @@
           <a:p>
             <a:fld id="{B4C71EC6-210F-42DE-9C53-41977AD35B3D}" type="datetimeFigureOut">
               <a:rPr lang="ru-RU" smtClean="0"/>
-              <a:t>09.02.2023</a:t>
+              <a:t>13.02.2023</a:t>
             </a:fld>
             <a:endParaRPr lang="ru-RU"/>
           </a:p>
@@ -2772,7 +2773,7 @@
           <a:p>
             <a:fld id="{B4C71EC6-210F-42DE-9C53-41977AD35B3D}" type="datetimeFigureOut">
               <a:rPr lang="ru-RU" smtClean="0"/>
-              <a:t>09.02.2023</a:t>
+              <a:t>13.02.2023</a:t>
             </a:fld>
             <a:endParaRPr lang="ru-RU"/>
           </a:p>
@@ -4072,6 +4073,130 @@
           <a:chExt cx="0" cy="0"/>
         </a:xfrm>
       </p:grpSpPr>
+      <p:sp>
+        <p:nvSpPr>
+          <p:cNvPr id="2" name="Объект 1"/>
+          <p:cNvSpPr>
+            <a:spLocks noGrp="1"/>
+          </p:cNvSpPr>
+          <p:nvPr>
+            <p:ph idx="1"/>
+          </p:nvPr>
+        </p:nvSpPr>
+        <p:spPr/>
+        <p:txBody>
+          <a:bodyPr>
+            <a:normAutofit lnSpcReduction="10000"/>
+          </a:bodyPr>
+          <a:lstStyle/>
+          <a:p>
+            <a:r>
+              <a:rPr lang="ro-RO" dirty="0"/>
+              <a:t>În timpul realizării acestui proiect am învățat unele lucruri noi precum ar fi sintaxa a Vue.js și utilizarea tehnologiei Ajax</a:t>
+            </a:r>
+            <a:r>
+              <a:rPr lang="ro-RO" dirty="0" smtClean="0"/>
+              <a:t>.</a:t>
+            </a:r>
+            <a:endParaRPr lang="en-US" smtClean="0"/>
+          </a:p>
+          <a:p>
+            <a:endParaRPr lang="ru-RU" dirty="0"/>
+          </a:p>
+          <a:p>
+            <a:r>
+              <a:rPr lang="ro-RO" dirty="0"/>
+              <a:t>Pe viitor in funcționalul acestui site se poate de adăugat un chat comun unde utilizatorii vor putea cere un sfat de la cei lalți pre cum ar fi ”Ce carte aș putea aculta în timpul plimbării de seară”, cîteva setări de profil (adăugarea unei imagini de profil, modificarea numelui, etc</a:t>
+            </a:r>
+            <a:r>
+              <a:rPr lang="ro-RO" dirty="0" smtClean="0"/>
+              <a:t>.),</a:t>
+            </a:r>
+            <a:r>
+              <a:rPr lang="en-US" dirty="0"/>
+              <a:t> </a:t>
+            </a:r>
+            <a:r>
+              <a:rPr lang="ro-RO" dirty="0" smtClean="0"/>
+              <a:t>se </a:t>
+            </a:r>
+            <a:r>
+              <a:rPr lang="ro-RO" dirty="0"/>
+              <a:t>poate de adaugat un </a:t>
+            </a:r>
+            <a:r>
+              <a:rPr lang="ro-RO" dirty="0" smtClean="0"/>
+              <a:t>rating</a:t>
+            </a:r>
+            <a:r>
+              <a:rPr lang="en-US" dirty="0" smtClean="0"/>
+              <a:t> </a:t>
+            </a:r>
+            <a:r>
+              <a:rPr lang="ro-RO" dirty="0" smtClean="0"/>
+              <a:t>care </a:t>
+            </a:r>
+            <a:r>
+              <a:rPr lang="ro-RO" dirty="0"/>
+              <a:t>se va calcula din numarul de like-uri și diselike-uri. </a:t>
+            </a:r>
+            <a:endParaRPr lang="ru-RU" dirty="0"/>
+          </a:p>
+        </p:txBody>
+      </p:sp>
+      <p:sp>
+        <p:nvSpPr>
+          <p:cNvPr id="3" name="Заголовок 2"/>
+          <p:cNvSpPr>
+            <a:spLocks noGrp="1"/>
+          </p:cNvSpPr>
+          <p:nvPr>
+            <p:ph type="title"/>
+          </p:nvPr>
+        </p:nvSpPr>
+        <p:spPr/>
+        <p:txBody>
+          <a:bodyPr/>
+          <a:lstStyle/>
+          <a:p>
+            <a:r>
+              <a:rPr lang="en-US" dirty="0" err="1" smtClean="0"/>
+              <a:t>Concluzii</a:t>
+            </a:r>
+            <a:endParaRPr lang="ru-RU" dirty="0"/>
+          </a:p>
+        </p:txBody>
+      </p:sp>
+    </p:spTree>
+    <p:extLst>
+      <p:ext uri="{BB962C8B-B14F-4D97-AF65-F5344CB8AC3E}">
+        <p14:creationId xmlns:p14="http://schemas.microsoft.com/office/powerpoint/2010/main" val="2378771687"/>
+      </p:ext>
+    </p:extLst>
+  </p:cSld>
+  <p:clrMapOvr>
+    <a:masterClrMapping/>
+  </p:clrMapOvr>
+</p:sld>
+</file>
+
+<file path=ppt/slides/slide11.xml><?xml version="1.0" encoding="utf-8"?>
+<p:sld xmlns:a="http://schemas.openxmlformats.org/drawingml/2006/main" xmlns:r="http://schemas.openxmlformats.org/officeDocument/2006/relationships" xmlns:p="http://schemas.openxmlformats.org/presentationml/2006/main">
+  <p:cSld>
+    <p:spTree>
+      <p:nvGrpSpPr>
+        <p:cNvPr id="1" name=""/>
+        <p:cNvGrpSpPr/>
+        <p:nvPr/>
+      </p:nvGrpSpPr>
+      <p:grpSpPr>
+        <a:xfrm>
+          <a:off x="0" y="0"/>
+          <a:ext cx="0" cy="0"/>
+          <a:chOff x="0" y="0"/>
+          <a:chExt cx="0" cy="0"/>
+        </a:xfrm>
+      </p:grpSpPr>
       <p:pic>
         <p:nvPicPr>
           <p:cNvPr id="4" name="Объект 3"/>
@@ -4682,11 +4807,7 @@
             </a:r>
             <a:r>
               <a:rPr lang="en-US" dirty="0" smtClean="0"/>
-              <a:t> </a:t>
-            </a:r>
-            <a:r>
-              <a:rPr lang="en-US" dirty="0" smtClean="0"/>
-              <a:t>site-</a:t>
+              <a:t> site-</a:t>
             </a:r>
             <a:r>
               <a:rPr lang="en-US" dirty="0" err="1" smtClean="0"/>

--- a/MyAudioLib.pptx
+++ b/MyAudioLib.pptx
@@ -407,7 +407,7 @@
           <a:p>
             <a:fld id="{B4C71EC6-210F-42DE-9C53-41977AD35B3D}" type="datetimeFigureOut">
               <a:rPr lang="ru-RU" smtClean="0"/>
-              <a:t>13.02.2023</a:t>
+              <a:t>03.03.2023</a:t>
             </a:fld>
             <a:endParaRPr lang="ru-RU"/>
           </a:p>
@@ -572,7 +572,7 @@
           <a:p>
             <a:fld id="{B4C71EC6-210F-42DE-9C53-41977AD35B3D}" type="datetimeFigureOut">
               <a:rPr lang="ru-RU" smtClean="0"/>
-              <a:t>13.02.2023</a:t>
+              <a:t>03.03.2023</a:t>
             </a:fld>
             <a:endParaRPr lang="ru-RU"/>
           </a:p>
@@ -747,7 +747,7 @@
           <a:p>
             <a:fld id="{B4C71EC6-210F-42DE-9C53-41977AD35B3D}" type="datetimeFigureOut">
               <a:rPr lang="ru-RU" smtClean="0"/>
-              <a:t>13.02.2023</a:t>
+              <a:t>03.03.2023</a:t>
             </a:fld>
             <a:endParaRPr lang="ru-RU"/>
           </a:p>
@@ -894,7 +894,7 @@
           <a:p>
             <a:fld id="{B4C71EC6-210F-42DE-9C53-41977AD35B3D}" type="datetimeFigureOut">
               <a:rPr lang="ru-RU" smtClean="0"/>
-              <a:t>13.02.2023</a:t>
+              <a:t>03.03.2023</a:t>
             </a:fld>
             <a:endParaRPr lang="ru-RU"/>
           </a:p>
@@ -1011,7 +1011,7 @@
           <a:p>
             <a:fld id="{B4C71EC6-210F-42DE-9C53-41977AD35B3D}" type="datetimeFigureOut">
               <a:rPr lang="ru-RU" smtClean="0"/>
-              <a:t>13.02.2023</a:t>
+              <a:t>03.03.2023</a:t>
             </a:fld>
             <a:endParaRPr lang="ru-RU"/>
           </a:p>
@@ -1281,7 +1281,7 @@
           <a:p>
             <a:fld id="{B4C71EC6-210F-42DE-9C53-41977AD35B3D}" type="datetimeFigureOut">
               <a:rPr lang="ru-RU" smtClean="0"/>
-              <a:t>13.02.2023</a:t>
+              <a:t>03.03.2023</a:t>
             </a:fld>
             <a:endParaRPr lang="ru-RU"/>
           </a:p>
@@ -1550,7 +1550,7 @@
           <a:p>
             <a:fld id="{B4C71EC6-210F-42DE-9C53-41977AD35B3D}" type="datetimeFigureOut">
               <a:rPr lang="ru-RU" smtClean="0"/>
-              <a:t>13.02.2023</a:t>
+              <a:t>03.03.2023</a:t>
             </a:fld>
             <a:endParaRPr lang="ru-RU"/>
           </a:p>
@@ -1997,7 +1997,7 @@
           <a:p>
             <a:fld id="{B4C71EC6-210F-42DE-9C53-41977AD35B3D}" type="datetimeFigureOut">
               <a:rPr lang="ru-RU" smtClean="0"/>
-              <a:t>13.02.2023</a:t>
+              <a:t>03.03.2023</a:t>
             </a:fld>
             <a:endParaRPr lang="ru-RU"/>
           </a:p>
@@ -2110,7 +2110,7 @@
           <a:p>
             <a:fld id="{B4C71EC6-210F-42DE-9C53-41977AD35B3D}" type="datetimeFigureOut">
               <a:rPr lang="ru-RU" smtClean="0"/>
-              <a:t>13.02.2023</a:t>
+              <a:t>03.03.2023</a:t>
             </a:fld>
             <a:endParaRPr lang="ru-RU"/>
           </a:p>
@@ -2360,7 +2360,7 @@
           <a:p>
             <a:fld id="{B4C71EC6-210F-42DE-9C53-41977AD35B3D}" type="datetimeFigureOut">
               <a:rPr lang="ru-RU" smtClean="0"/>
-              <a:t>13.02.2023</a:t>
+              <a:t>03.03.2023</a:t>
             </a:fld>
             <a:endParaRPr lang="ru-RU"/>
           </a:p>
@@ -2600,7 +2600,7 @@
           <a:p>
             <a:fld id="{B4C71EC6-210F-42DE-9C53-41977AD35B3D}" type="datetimeFigureOut">
               <a:rPr lang="ru-RU" smtClean="0"/>
-              <a:t>13.02.2023</a:t>
+              <a:t>03.03.2023</a:t>
             </a:fld>
             <a:endParaRPr lang="ru-RU"/>
           </a:p>
@@ -2773,7 +2773,7 @@
           <a:p>
             <a:fld id="{B4C71EC6-210F-42DE-9C53-41977AD35B3D}" type="datetimeFigureOut">
               <a:rPr lang="ru-RU" smtClean="0"/>
-              <a:t>13.02.2023</a:t>
+              <a:t>03.03.2023</a:t>
             </a:fld>
             <a:endParaRPr lang="ru-RU"/>
           </a:p>
@@ -4086,19 +4086,39 @@
         <p:spPr/>
         <p:txBody>
           <a:bodyPr>
-            <a:normAutofit lnSpcReduction="10000"/>
+            <a:normAutofit/>
           </a:bodyPr>
           <a:lstStyle/>
           <a:p>
             <a:r>
               <a:rPr lang="ro-RO" dirty="0"/>
-              <a:t>În timpul realizării acestui proiect am învățat unele lucruri noi precum ar fi sintaxa a Vue.js și utilizarea tehnologiei Ajax</a:t>
+              <a:t>În timpul realizării acestui proiect am învățat unele lucruri noi precum ar fi sintaxa </a:t>
+            </a:r>
+            <a:r>
+              <a:rPr lang="ro-RO" dirty="0" smtClean="0"/>
+              <a:t>Vue.js </a:t>
+            </a:r>
+            <a:r>
+              <a:rPr lang="ro-RO" dirty="0"/>
+              <a:t>și </a:t>
+            </a:r>
+            <a:r>
+              <a:rPr lang="en-US" dirty="0" err="1" smtClean="0"/>
+              <a:t>tehnologia</a:t>
+            </a:r>
+            <a:r>
+              <a:rPr lang="ro-RO" dirty="0" smtClean="0"/>
+              <a:t> </a:t>
+            </a:r>
+            <a:r>
+              <a:rPr lang="ro-RO" dirty="0"/>
+              <a:t>Ajax</a:t>
             </a:r>
             <a:r>
               <a:rPr lang="ro-RO" dirty="0" smtClean="0"/>
               <a:t>.</a:t>
             </a:r>
-            <a:endParaRPr lang="en-US" smtClean="0"/>
+            <a:endParaRPr lang="en-US" dirty="0" smtClean="0"/>
           </a:p>
           <a:p>
             <a:endParaRPr lang="ru-RU" dirty="0"/>
@@ -4106,7 +4126,43 @@
           <a:p>
             <a:r>
               <a:rPr lang="ro-RO" dirty="0"/>
-              <a:t>Pe viitor in funcționalul acestui site se poate de adăugat un chat comun unde utilizatorii vor putea cere un sfat de la cei lalți pre cum ar fi ”Ce carte aș putea aculta în timpul plimbării de seară”, cîteva setări de profil (adăugarea unei imagini de profil, modificarea numelui, etc</a:t>
+              <a:t>Pe viitor </a:t>
+            </a:r>
+            <a:r>
+              <a:rPr lang="ro-RO" dirty="0" smtClean="0"/>
+              <a:t>în </a:t>
+            </a:r>
+            <a:r>
+              <a:rPr lang="ro-RO" dirty="0"/>
+              <a:t>funcționalul acestui site se poate de adăugat un chat comun unde utilizatorii vor putea </a:t>
+            </a:r>
+            <a:r>
+              <a:rPr lang="en-US" dirty="0" err="1" smtClean="0"/>
+              <a:t>discuta</a:t>
+            </a:r>
+            <a:r>
+              <a:rPr lang="en-US" dirty="0" smtClean="0"/>
+              <a:t> la </a:t>
+            </a:r>
+            <a:r>
+              <a:rPr lang="en-US" dirty="0" err="1" smtClean="0"/>
+              <a:t>diferite</a:t>
+            </a:r>
+            <a:r>
+              <a:rPr lang="en-US" dirty="0" smtClean="0"/>
+              <a:t> </a:t>
+            </a:r>
+            <a:r>
+              <a:rPr lang="en-US" dirty="0" err="1" smtClean="0"/>
+              <a:t>teme</a:t>
+            </a:r>
+            <a:r>
+              <a:rPr lang="ro-RO" dirty="0" smtClean="0"/>
+              <a:t>, </a:t>
+            </a:r>
+            <a:r>
+              <a:rPr lang="ro-RO" dirty="0"/>
+              <a:t>cîteva setări de profil (adăugarea unei imagini de profil, modificarea numelui, etc</a:t>
             </a:r>
             <a:r>
               <a:rPr lang="ro-RO" dirty="0" smtClean="0"/>
@@ -4126,7 +4182,7 @@
             </a:r>
             <a:r>
               <a:rPr lang="ro-RO" dirty="0" smtClean="0"/>
-              <a:t>rating</a:t>
+              <a:t>rating al cărților</a:t>
             </a:r>
             <a:r>
               <a:rPr lang="en-US" dirty="0" smtClean="0"/>
@@ -4138,7 +4194,11 @@
             </a:r>
             <a:r>
               <a:rPr lang="ro-RO" dirty="0"/>
-              <a:t>se va calcula din numarul de like-uri și diselike-uri. </a:t>
+              <a:t>se va calcula din numarul de like-uri și </a:t>
+            </a:r>
+            <a:r>
+              <a:rPr lang="ro-RO" dirty="0" smtClean="0"/>
+              <a:t>diselike-uri de pe site. </a:t>
             </a:r>
             <a:endParaRPr lang="ru-RU" dirty="0"/>
           </a:p>
@@ -4221,7 +4281,7 @@
         </p:blipFill>
         <p:spPr>
           <a:xfrm>
-            <a:off x="971600" y="764704"/>
+            <a:off x="1115616" y="764704"/>
             <a:ext cx="7205133" cy="5403850"/>
           </a:xfrm>
           <a:prstGeom prst="rect">
@@ -4246,7 +4306,7 @@
         <p:spPr>
           <a:xfrm>
             <a:off x="1619672" y="5445224"/>
-            <a:ext cx="6264696" cy="576064"/>
+            <a:ext cx="4824536" cy="576064"/>
           </a:xfrm>
           <a:prstGeom prst="rect">
             <a:avLst/>
@@ -4447,13 +4507,12 @@
           </a:lstStyle>
           <a:p>
             <a:r>
-              <a:rPr lang="en-US" dirty="0" smtClean="0">
+              <a:rPr lang="en-US" dirty="0">
                 <a:solidFill>
                   <a:schemeClr val="bg1"/>
                 </a:solidFill>
-                <a:hlinkClick r:id="rId3"/>
               </a:rPr>
-              <a:t>http://my-audio-lib.cooldown-projects.art/</a:t>
+              <a:t>http://maximr7i.beget.tech/</a:t>
             </a:r>
             <a:endParaRPr lang="ru-RU" dirty="0">
               <a:solidFill>
@@ -4540,7 +4599,31 @@
             </a:r>
             <a:r>
               <a:rPr lang="ro-RO" b="1" dirty="0" smtClean="0"/>
-              <a:t>ărți audio cu audio player, lista de cărți favorite, sistem de comentarii și sistem de like-uri.</a:t>
+              <a:t>ărți audio </a:t>
+            </a:r>
+            <a:r>
+              <a:rPr lang="ro-RO" b="1" dirty="0" smtClean="0"/>
+              <a:t>cu</a:t>
+            </a:r>
+            <a:r>
+              <a:rPr lang="en-US" b="1" dirty="0" smtClean="0"/>
+              <a:t> un</a:t>
+            </a:r>
+            <a:r>
+              <a:rPr lang="ro-RO" b="1" dirty="0" smtClean="0"/>
+              <a:t> </a:t>
+            </a:r>
+            <a:r>
+              <a:rPr lang="ro-RO" b="1" dirty="0" smtClean="0"/>
+              <a:t>audio player</a:t>
+            </a:r>
+            <a:r>
+              <a:rPr lang="ro-RO" b="1" dirty="0" smtClean="0"/>
+              <a:t>, </a:t>
+            </a:r>
+            <a:r>
+              <a:rPr lang="ro-RO" b="1" dirty="0" smtClean="0"/>
+              <a:t>lista de cărți favorite, sistem de comentarii și sistem de like-uri.</a:t>
             </a:r>
             <a:endParaRPr lang="en-US" b="1" dirty="0" smtClean="0"/>
           </a:p>
@@ -4732,8 +4815,12 @@
           <a:lstStyle/>
           <a:p>
             <a:r>
+              <a:rPr lang="en-US" dirty="0" err="1" smtClean="0"/>
+              <a:t>Tehnologii</a:t>
+            </a:r>
+            <a:r>
               <a:rPr lang="ro-RO" dirty="0" smtClean="0"/>
-              <a:t>Framework și limbaje utilizate</a:t>
+              <a:t> utilizate</a:t>
             </a:r>
             <a:r>
               <a:rPr lang="en-US" dirty="0"/>
